--- a/Slides/Week 3 Lecture Slides.pptx
+++ b/Slides/Week 3 Lecture Slides.pptx
@@ -5,7 +5,7 @@
     <p:sldMasterId id="2147483660" r:id="rId1"/>
   </p:sldMasterIdLst>
   <p:notesMasterIdLst>
-    <p:notesMasterId r:id="rId31"/>
+    <p:notesMasterId r:id="rId32"/>
   </p:notesMasterIdLst>
   <p:sldIdLst>
     <p:sldId id="256" r:id="rId2"/>
@@ -35,8 +35,9 @@
     <p:sldId id="353" r:id="rId26"/>
     <p:sldId id="375" r:id="rId27"/>
     <p:sldId id="342" r:id="rId28"/>
-    <p:sldId id="318" r:id="rId29"/>
-    <p:sldId id="319" r:id="rId30"/>
+    <p:sldId id="378" r:id="rId29"/>
+    <p:sldId id="318" r:id="rId30"/>
+    <p:sldId id="319" r:id="rId31"/>
   </p:sldIdLst>
   <p:sldSz cx="12192000" cy="6858000"/>
   <p:notesSz cx="6858000" cy="9144000"/>
@@ -225,7 +226,7 @@
           <a:p>
             <a:fld id="{FBB8FC64-E39C-4C42-B46F-635013E3CE61}" type="datetimeFigureOut">
               <a:rPr lang="en-US" smtClean="0"/>
-              <a:t>9/10/2022</a:t>
+              <a:t>9/15/2022</a:t>
             </a:fld>
             <a:endParaRPr lang="en-US"/>
           </a:p>
@@ -3150,7 +3151,7 @@
           <a:p>
             <a:fld id="{BDCF5898-5A22-4DB9-8321-F98B64690223}" type="datetimeFigureOut">
               <a:rPr lang="en-US" smtClean="0"/>
-              <a:t>9/10/2022</a:t>
+              <a:t>9/15/2022</a:t>
             </a:fld>
             <a:endParaRPr lang="en-US"/>
           </a:p>
@@ -3401,7 +3402,7 @@
           <a:p>
             <a:fld id="{BDCF5898-5A22-4DB9-8321-F98B64690223}" type="datetimeFigureOut">
               <a:rPr lang="en-US" smtClean="0"/>
-              <a:t>9/10/2022</a:t>
+              <a:t>9/15/2022</a:t>
             </a:fld>
             <a:endParaRPr lang="en-US"/>
           </a:p>
@@ -3715,7 +3716,7 @@
           <a:p>
             <a:fld id="{BDCF5898-5A22-4DB9-8321-F98B64690223}" type="datetimeFigureOut">
               <a:rPr lang="en-US" smtClean="0"/>
-              <a:t>9/10/2022</a:t>
+              <a:t>9/15/2022</a:t>
             </a:fld>
             <a:endParaRPr lang="en-US"/>
           </a:p>
@@ -4056,7 +4057,7 @@
           <a:p>
             <a:fld id="{BDCF5898-5A22-4DB9-8321-F98B64690223}" type="datetimeFigureOut">
               <a:rPr lang="en-US" smtClean="0"/>
-              <a:t>9/10/2022</a:t>
+              <a:t>9/15/2022</a:t>
             </a:fld>
             <a:endParaRPr lang="en-US"/>
           </a:p>
@@ -4370,7 +4371,7 @@
           <a:p>
             <a:fld id="{BDCF5898-5A22-4DB9-8321-F98B64690223}" type="datetimeFigureOut">
               <a:rPr lang="en-US" smtClean="0"/>
-              <a:t>9/10/2022</a:t>
+              <a:t>9/15/2022</a:t>
             </a:fld>
             <a:endParaRPr lang="en-US"/>
           </a:p>
@@ -4763,7 +4764,7 @@
           <a:p>
             <a:fld id="{BDCF5898-5A22-4DB9-8321-F98B64690223}" type="datetimeFigureOut">
               <a:rPr lang="en-US" smtClean="0"/>
-              <a:t>9/10/2022</a:t>
+              <a:t>9/15/2022</a:t>
             </a:fld>
             <a:endParaRPr lang="en-US"/>
           </a:p>
@@ -4933,7 +4934,7 @@
           <a:p>
             <a:fld id="{BDCF5898-5A22-4DB9-8321-F98B64690223}" type="datetimeFigureOut">
               <a:rPr lang="en-US" smtClean="0"/>
-              <a:t>9/10/2022</a:t>
+              <a:t>9/15/2022</a:t>
             </a:fld>
             <a:endParaRPr lang="en-US"/>
           </a:p>
@@ -5113,7 +5114,7 @@
           <a:p>
             <a:fld id="{BDCF5898-5A22-4DB9-8321-F98B64690223}" type="datetimeFigureOut">
               <a:rPr lang="en-US" smtClean="0"/>
-              <a:t>9/10/2022</a:t>
+              <a:t>9/15/2022</a:t>
             </a:fld>
             <a:endParaRPr lang="en-US"/>
           </a:p>
@@ -5289,7 +5290,7 @@
           <a:p>
             <a:fld id="{BDCF5898-5A22-4DB9-8321-F98B64690223}" type="datetimeFigureOut">
               <a:rPr lang="en-US" smtClean="0"/>
-              <a:t>9/10/2022</a:t>
+              <a:t>9/15/2022</a:t>
             </a:fld>
             <a:endParaRPr lang="en-US"/>
           </a:p>
@@ -5536,7 +5537,7 @@
           <a:p>
             <a:fld id="{BDCF5898-5A22-4DB9-8321-F98B64690223}" type="datetimeFigureOut">
               <a:rPr lang="en-US" smtClean="0"/>
-              <a:t>9/10/2022</a:t>
+              <a:t>9/15/2022</a:t>
             </a:fld>
             <a:endParaRPr lang="en-US"/>
           </a:p>
@@ -5768,7 +5769,7 @@
           <a:p>
             <a:fld id="{BDCF5898-5A22-4DB9-8321-F98B64690223}" type="datetimeFigureOut">
               <a:rPr lang="en-US" smtClean="0"/>
-              <a:t>9/10/2022</a:t>
+              <a:t>9/15/2022</a:t>
             </a:fld>
             <a:endParaRPr lang="en-US"/>
           </a:p>
@@ -6142,7 +6143,7 @@
           <a:p>
             <a:fld id="{BDCF5898-5A22-4DB9-8321-F98B64690223}" type="datetimeFigureOut">
               <a:rPr lang="en-US" smtClean="0"/>
-              <a:t>9/10/2022</a:t>
+              <a:t>9/15/2022</a:t>
             </a:fld>
             <a:endParaRPr lang="en-US"/>
           </a:p>
@@ -6265,7 +6266,7 @@
           <a:p>
             <a:fld id="{BDCF5898-5A22-4DB9-8321-F98B64690223}" type="datetimeFigureOut">
               <a:rPr lang="en-US" smtClean="0"/>
-              <a:t>9/10/2022</a:t>
+              <a:t>9/15/2022</a:t>
             </a:fld>
             <a:endParaRPr lang="en-US"/>
           </a:p>
@@ -6360,7 +6361,7 @@
           <a:p>
             <a:fld id="{BDCF5898-5A22-4DB9-8321-F98B64690223}" type="datetimeFigureOut">
               <a:rPr lang="en-US" smtClean="0"/>
-              <a:t>9/10/2022</a:t>
+              <a:t>9/15/2022</a:t>
             </a:fld>
             <a:endParaRPr lang="en-US"/>
           </a:p>
@@ -6615,7 +6616,7 @@
           <a:p>
             <a:fld id="{BDCF5898-5A22-4DB9-8321-F98B64690223}" type="datetimeFigureOut">
               <a:rPr lang="en-US" smtClean="0"/>
-              <a:t>9/10/2022</a:t>
+              <a:t>9/15/2022</a:t>
             </a:fld>
             <a:endParaRPr lang="en-US"/>
           </a:p>
@@ -6878,7 +6879,7 @@
           <a:p>
             <a:fld id="{BDCF5898-5A22-4DB9-8321-F98B64690223}" type="datetimeFigureOut">
               <a:rPr lang="en-US" smtClean="0"/>
-              <a:t>9/10/2022</a:t>
+              <a:t>9/15/2022</a:t>
             </a:fld>
             <a:endParaRPr lang="en-US"/>
           </a:p>
@@ -7621,7 +7622,7 @@
           <a:p>
             <a:fld id="{BDCF5898-5A22-4DB9-8321-F98B64690223}" type="datetimeFigureOut">
               <a:rPr lang="en-US" smtClean="0"/>
-              <a:t>9/10/2022</a:t>
+              <a:t>9/15/2022</a:t>
             </a:fld>
             <a:endParaRPr lang="en-US"/>
           </a:p>
@@ -10323,7 +10324,7 @@
           <a:p>
             <a:r>
               <a:rPr lang="en-US" dirty="0"/>
-              <a:t>Review!</a:t>
+              <a:t>Addition!</a:t>
             </a:r>
           </a:p>
         </p:txBody>
@@ -10358,8 +10359,28 @@
           <a:p>
             <a:r>
               <a:rPr lang="en-US" sz="2000" dirty="0"/>
-              <a:t>Sub queries are a query within another query </a:t>
-            </a:r>
+              <a:t>There is a recently added new syntax to perform result set transformation</a:t>
+            </a:r>
+          </a:p>
+          <a:p>
+            <a:pPr lvl="1"/>
+            <a:r>
+              <a:rPr lang="en-US" sz="1800" dirty="0"/>
+              <a:t>No longer need to use CASE expressions</a:t>
+            </a:r>
+          </a:p>
+          <a:p>
+            <a:pPr lvl="1"/>
+            <a:endParaRPr lang="en-US" sz="1800" dirty="0"/>
+          </a:p>
+          <a:p>
+            <a:endParaRPr lang="en-US" sz="2000" dirty="0"/>
+          </a:p>
+          <a:p>
+            <a:endParaRPr lang="en-US" sz="2000" dirty="0"/>
+          </a:p>
+          <a:p>
+            <a:endParaRPr lang="en-US" sz="2000" dirty="0"/>
           </a:p>
           <a:p>
             <a:pPr marL="0" indent="0">
@@ -10368,58 +10389,215 @@
             <a:endParaRPr lang="en-US" sz="2000" dirty="0"/>
           </a:p>
           <a:p>
-            <a:r>
-              <a:rPr lang="en-US" sz="2000" dirty="0"/>
-              <a:t>The result of a sub query can be a single row and single column, multiple rows and single column or multiple rows and multiple column</a:t>
-            </a:r>
-          </a:p>
-          <a:p>
-            <a:pPr marL="457200" lvl="1" indent="0">
-              <a:buNone/>
-            </a:pPr>
             <a:endParaRPr lang="en-US" sz="2000" dirty="0"/>
           </a:p>
-          <a:p>
-            <a:r>
-              <a:rPr lang="en-US" sz="2000" dirty="0"/>
-              <a:t>Sub queries are executed before the rest of the query</a:t>
-            </a:r>
-          </a:p>
-          <a:p>
-            <a:pPr marL="0" indent="0">
-              <a:buNone/>
-            </a:pPr>
-            <a:endParaRPr lang="en-US" sz="2000" dirty="0"/>
-          </a:p>
-          <a:p>
-            <a:r>
-              <a:rPr lang="en-US" sz="2000" dirty="0"/>
-              <a:t>The CASE expression is SQL’s optimal method to express and execute conditional logic</a:t>
-            </a:r>
-          </a:p>
-          <a:p>
-            <a:endParaRPr lang="en-US" sz="2000" dirty="0"/>
-          </a:p>
-          <a:p>
-            <a:r>
-              <a:rPr lang="en-US" sz="2000" dirty="0"/>
-              <a:t>CASE expressions and sub queries are often used together!</a:t>
-            </a:r>
-          </a:p>
-          <a:p>
-            <a:endParaRPr lang="en-US" sz="2000" dirty="0"/>
-          </a:p>
-          <a:p>
-            <a:endParaRPr lang="en-US" sz="2000" dirty="0"/>
-          </a:p>
-          <a:p>
-            <a:pPr marL="0" indent="0">
-              <a:buNone/>
-            </a:pPr>
-            <a:endParaRPr lang="en-US" sz="2000" dirty="0"/>
-          </a:p>
-          <a:p>
-            <a:endParaRPr lang="en-US" sz="2000" dirty="0"/>
+        </p:txBody>
+      </p:sp>
+      <p:pic>
+        <p:nvPicPr>
+          <p:cNvPr id="4" name="Picture 3">
+            <a:extLst>
+              <a:ext uri="{FF2B5EF4-FFF2-40B4-BE49-F238E27FC236}">
+                <a16:creationId xmlns:a16="http://schemas.microsoft.com/office/drawing/2014/main" id="{04B9CA86-CD7D-42F7-BB55-28F2F1156907}"/>
+              </a:ext>
+            </a:extLst>
+          </p:cNvPr>
+          <p:cNvPicPr>
+            <a:picLocks noChangeAspect="1"/>
+          </p:cNvPicPr>
+          <p:nvPr/>
+        </p:nvPicPr>
+        <p:blipFill>
+          <a:blip r:embed="rId2"/>
+          <a:stretch>
+            <a:fillRect/>
+          </a:stretch>
+        </p:blipFill>
+        <p:spPr>
+          <a:xfrm>
+            <a:off x="810902" y="2905125"/>
+            <a:ext cx="3076575" cy="1047750"/>
+          </a:xfrm>
+          <a:prstGeom prst="rect">
+            <a:avLst/>
+          </a:prstGeom>
+        </p:spPr>
+      </p:pic>
+      <p:pic>
+        <p:nvPicPr>
+          <p:cNvPr id="7" name="Picture 6">
+            <a:extLst>
+              <a:ext uri="{FF2B5EF4-FFF2-40B4-BE49-F238E27FC236}">
+                <a16:creationId xmlns:a16="http://schemas.microsoft.com/office/drawing/2014/main" id="{952B4573-E252-4B8B-B297-12B0FF79037E}"/>
+              </a:ext>
+            </a:extLst>
+          </p:cNvPr>
+          <p:cNvPicPr>
+            <a:picLocks noChangeAspect="1"/>
+          </p:cNvPicPr>
+          <p:nvPr/>
+        </p:nvPicPr>
+        <p:blipFill>
+          <a:blip r:embed="rId3"/>
+          <a:stretch>
+            <a:fillRect/>
+          </a:stretch>
+        </p:blipFill>
+        <p:spPr>
+          <a:xfrm>
+            <a:off x="6096000" y="2997045"/>
+            <a:ext cx="3000375" cy="895350"/>
+          </a:xfrm>
+          <a:prstGeom prst="rect">
+            <a:avLst/>
+          </a:prstGeom>
+        </p:spPr>
+      </p:pic>
+      <p:pic>
+        <p:nvPicPr>
+          <p:cNvPr id="9" name="Picture 8">
+            <a:extLst>
+              <a:ext uri="{FF2B5EF4-FFF2-40B4-BE49-F238E27FC236}">
+                <a16:creationId xmlns:a16="http://schemas.microsoft.com/office/drawing/2014/main" id="{22465E35-D07D-44E7-93C9-6E5F384E8E2D}"/>
+              </a:ext>
+            </a:extLst>
+          </p:cNvPr>
+          <p:cNvPicPr>
+            <a:picLocks noChangeAspect="1"/>
+          </p:cNvPicPr>
+          <p:nvPr/>
+        </p:nvPicPr>
+        <p:blipFill>
+          <a:blip r:embed="rId4"/>
+          <a:stretch>
+            <a:fillRect/>
+          </a:stretch>
+        </p:blipFill>
+        <p:spPr>
+          <a:xfrm>
+            <a:off x="810902" y="5274229"/>
+            <a:ext cx="3028950" cy="1047750"/>
+          </a:xfrm>
+          <a:prstGeom prst="rect">
+            <a:avLst/>
+          </a:prstGeom>
+        </p:spPr>
+      </p:pic>
+      <p:pic>
+        <p:nvPicPr>
+          <p:cNvPr id="11" name="Picture 10">
+            <a:extLst>
+              <a:ext uri="{FF2B5EF4-FFF2-40B4-BE49-F238E27FC236}">
+                <a16:creationId xmlns:a16="http://schemas.microsoft.com/office/drawing/2014/main" id="{B902A223-8FEB-4E74-8558-7A0BA48C341D}"/>
+              </a:ext>
+            </a:extLst>
+          </p:cNvPr>
+          <p:cNvPicPr>
+            <a:picLocks noChangeAspect="1"/>
+          </p:cNvPicPr>
+          <p:nvPr/>
+        </p:nvPicPr>
+        <p:blipFill>
+          <a:blip r:embed="rId5"/>
+          <a:stretch>
+            <a:fillRect/>
+          </a:stretch>
+        </p:blipFill>
+        <p:spPr>
+          <a:xfrm>
+            <a:off x="5959513" y="5274229"/>
+            <a:ext cx="3038475" cy="847725"/>
+          </a:xfrm>
+          <a:prstGeom prst="rect">
+            <a:avLst/>
+          </a:prstGeom>
+        </p:spPr>
+      </p:pic>
+      <p:sp>
+        <p:nvSpPr>
+          <p:cNvPr id="12" name="TextBox 11">
+            <a:extLst>
+              <a:ext uri="{FF2B5EF4-FFF2-40B4-BE49-F238E27FC236}">
+                <a16:creationId xmlns:a16="http://schemas.microsoft.com/office/drawing/2014/main" id="{A2A3057B-E500-4EED-94A0-6A165BC03754}"/>
+              </a:ext>
+            </a:extLst>
+          </p:cNvPr>
+          <p:cNvSpPr txBox="1"/>
+          <p:nvPr/>
+        </p:nvSpPr>
+        <p:spPr>
+          <a:xfrm>
+            <a:off x="4497011" y="2391936"/>
+            <a:ext cx="957313" cy="1862048"/>
+          </a:xfrm>
+          <a:prstGeom prst="rect">
+            <a:avLst/>
+          </a:prstGeom>
+          <a:noFill/>
+        </p:spPr>
+        <p:txBody>
+          <a:bodyPr wrap="none" rtlCol="0">
+            <a:spAutoFit/>
+          </a:bodyPr>
+          <a:lstStyle/>
+          <a:p>
+            <a:r>
+              <a:rPr lang="en-US" sz="11500" dirty="0">
+                <a:solidFill>
+                  <a:schemeClr val="accent1"/>
+                </a:solidFill>
+              </a:rPr>
+              <a:t>=</a:t>
+            </a:r>
+            <a:endParaRPr lang="en-US" sz="1400" dirty="0">
+              <a:solidFill>
+                <a:schemeClr val="accent1"/>
+              </a:solidFill>
+            </a:endParaRPr>
+          </a:p>
+        </p:txBody>
+      </p:sp>
+      <p:sp>
+        <p:nvSpPr>
+          <p:cNvPr id="13" name="TextBox 12">
+            <a:extLst>
+              <a:ext uri="{FF2B5EF4-FFF2-40B4-BE49-F238E27FC236}">
+                <a16:creationId xmlns:a16="http://schemas.microsoft.com/office/drawing/2014/main" id="{EC216869-5E50-4B3D-8A6D-FFFB87A42272}"/>
+              </a:ext>
+            </a:extLst>
+          </p:cNvPr>
+          <p:cNvSpPr txBox="1"/>
+          <p:nvPr/>
+        </p:nvSpPr>
+        <p:spPr>
+          <a:xfrm>
+            <a:off x="4497011" y="4715520"/>
+            <a:ext cx="957313" cy="1862048"/>
+          </a:xfrm>
+          <a:prstGeom prst="rect">
+            <a:avLst/>
+          </a:prstGeom>
+          <a:noFill/>
+        </p:spPr>
+        <p:txBody>
+          <a:bodyPr wrap="none" rtlCol="0">
+            <a:spAutoFit/>
+          </a:bodyPr>
+          <a:lstStyle/>
+          <a:p>
+            <a:r>
+              <a:rPr lang="en-US" sz="11500" dirty="0">
+                <a:solidFill>
+                  <a:schemeClr val="accent1"/>
+                </a:solidFill>
+              </a:rPr>
+              <a:t>=</a:t>
+            </a:r>
+            <a:endParaRPr lang="en-US" sz="1400" dirty="0">
+              <a:solidFill>
+                <a:schemeClr val="accent1"/>
+              </a:solidFill>
+            </a:endParaRPr>
           </a:p>
         </p:txBody>
       </p:sp>
@@ -10476,17 +10654,17 @@
           <a:p>
             <a:r>
               <a:rPr lang="en-US" dirty="0"/>
-              <a:t>Resources to Practice</a:t>
-            </a:r>
-          </a:p>
-        </p:txBody>
-      </p:sp>
-      <p:sp>
-        <p:nvSpPr>
-          <p:cNvPr id="3" name="Content Placeholder 2">
+              <a:t>Review!</a:t>
+            </a:r>
+          </a:p>
+        </p:txBody>
+      </p:sp>
+      <p:sp>
+        <p:nvSpPr>
+          <p:cNvPr id="6" name="Content Placeholder 2">
             <a:extLst>
               <a:ext uri="{FF2B5EF4-FFF2-40B4-BE49-F238E27FC236}">
-                <a16:creationId xmlns:a16="http://schemas.microsoft.com/office/drawing/2014/main" id="{1DB1CE26-418F-45FC-AA99-0245893AD75B}"/>
+                <a16:creationId xmlns:a16="http://schemas.microsoft.com/office/drawing/2014/main" id="{4E8054A1-14AA-4D56-A82D-A5F05B2A9F7E}"/>
               </a:ext>
             </a:extLst>
           </p:cNvPr>
@@ -10499,8 +10677,8 @@
         </p:nvSpPr>
         <p:spPr>
           <a:xfrm>
-            <a:off x="677333" y="1732750"/>
-            <a:ext cx="9295342" cy="3880773"/>
+            <a:off x="677333" y="1583771"/>
+            <a:ext cx="9469843" cy="4664629"/>
           </a:xfrm>
         </p:spPr>
         <p:txBody>
@@ -10509,74 +10687,69 @@
           </a:bodyPr>
           <a:lstStyle/>
           <a:p>
-            <a:pPr>
-              <a:lnSpc>
-                <a:spcPct val="200000"/>
-              </a:lnSpc>
-            </a:pPr>
             <a:r>
               <a:rPr lang="en-US" sz="2000" dirty="0"/>
-              <a:t>Code Academy SQL Course: </a:t>
-            </a:r>
-            <a:r>
-              <a:rPr lang="en-US" sz="2000" dirty="0">
-                <a:hlinkClick r:id="rId2"/>
-              </a:rPr>
-              <a:t>https://www.codecademy.com/learn/learn-sql</a:t>
-            </a:r>
-            <a:endParaRPr lang="en-US" sz="2000" dirty="0"/>
-          </a:p>
-          <a:p>
-            <a:pPr>
-              <a:lnSpc>
-                <a:spcPct val="200000"/>
-              </a:lnSpc>
-            </a:pPr>
-            <a:r>
-              <a:rPr lang="en-US" sz="2000" dirty="0"/>
-              <a:t>SQL Zoo: </a:t>
-            </a:r>
-            <a:r>
-              <a:rPr lang="en-US" sz="2000" dirty="0">
-                <a:hlinkClick r:id="rId3"/>
-              </a:rPr>
-              <a:t>https://sqlzoo.net/</a:t>
-            </a:r>
-            <a:endParaRPr lang="en-US" sz="2000" dirty="0"/>
-          </a:p>
-          <a:p>
-            <a:pPr>
-              <a:lnSpc>
-                <a:spcPct val="200000"/>
-              </a:lnSpc>
-            </a:pPr>
-            <a:r>
-              <a:rPr lang="en-US" sz="2000" dirty="0"/>
-              <a:t>W3 Schools: </a:t>
-            </a:r>
-            <a:r>
-              <a:rPr lang="en-US" sz="2000" dirty="0">
-                <a:hlinkClick r:id="rId4"/>
-              </a:rPr>
-              <a:t>https://www.w3schools.com/sql/sql_exercises.asp</a:t>
-            </a:r>
-            <a:endParaRPr lang="en-US" sz="2000" dirty="0"/>
+              <a:t>Sub queries are a query within another query </a:t>
+            </a:r>
           </a:p>
           <a:p>
             <a:pPr marL="0" indent="0">
-              <a:lnSpc>
-                <a:spcPct val="200000"/>
-              </a:lnSpc>
               <a:buNone/>
             </a:pPr>
             <a:endParaRPr lang="en-US" sz="2000" dirty="0"/>
           </a:p>
           <a:p>
-            <a:pPr>
-              <a:lnSpc>
-                <a:spcPct val="200000"/>
-              </a:lnSpc>
+            <a:r>
+              <a:rPr lang="en-US" sz="2000" dirty="0"/>
+              <a:t>The result of a sub query can be a single row and single column, multiple rows and single column or multiple rows and multiple column</a:t>
+            </a:r>
+          </a:p>
+          <a:p>
+            <a:pPr marL="457200" lvl="1" indent="0">
+              <a:buNone/>
             </a:pPr>
+            <a:endParaRPr lang="en-US" sz="2000" dirty="0"/>
+          </a:p>
+          <a:p>
+            <a:r>
+              <a:rPr lang="en-US" sz="2000" dirty="0"/>
+              <a:t>Sub queries are executed before the rest of the query</a:t>
+            </a:r>
+          </a:p>
+          <a:p>
+            <a:pPr marL="0" indent="0">
+              <a:buNone/>
+            </a:pPr>
+            <a:endParaRPr lang="en-US" sz="2000" dirty="0"/>
+          </a:p>
+          <a:p>
+            <a:r>
+              <a:rPr lang="en-US" sz="2000" dirty="0"/>
+              <a:t>The CASE expression is SQL’s optimal method to express and execute conditional logic</a:t>
+            </a:r>
+          </a:p>
+          <a:p>
+            <a:endParaRPr lang="en-US" sz="2000" dirty="0"/>
+          </a:p>
+          <a:p>
+            <a:r>
+              <a:rPr lang="en-US" sz="2000" dirty="0"/>
+              <a:t>CASE expressions and sub queries are often used together!</a:t>
+            </a:r>
+          </a:p>
+          <a:p>
+            <a:endParaRPr lang="en-US" sz="2000" dirty="0"/>
+          </a:p>
+          <a:p>
+            <a:endParaRPr lang="en-US" sz="2000" dirty="0"/>
+          </a:p>
+          <a:p>
+            <a:pPr marL="0" indent="0">
+              <a:buNone/>
+            </a:pPr>
+            <a:endParaRPr lang="en-US" sz="2000" dirty="0"/>
+          </a:p>
+          <a:p>
             <a:endParaRPr lang="en-US" sz="2000" dirty="0"/>
           </a:p>
         </p:txBody>
@@ -10584,7 +10757,7 @@
     </p:spTree>
     <p:extLst>
       <p:ext uri="{BB962C8B-B14F-4D97-AF65-F5344CB8AC3E}">
-        <p14:creationId xmlns:p14="http://schemas.microsoft.com/office/powerpoint/2010/main" val="555277752"/>
+        <p14:creationId xmlns:p14="http://schemas.microsoft.com/office/powerpoint/2010/main" val="3544534808"/>
       </p:ext>
     </p:extLst>
   </p:cSld>
@@ -10616,7 +10789,7 @@
           <p:cNvPr id="2" name="Title 1">
             <a:extLst>
               <a:ext uri="{FF2B5EF4-FFF2-40B4-BE49-F238E27FC236}">
-                <a16:creationId xmlns:a16="http://schemas.microsoft.com/office/drawing/2014/main" id="{19AE8673-E267-4C34-83B2-E50F8C6C8167}"/>
+                <a16:creationId xmlns:a16="http://schemas.microsoft.com/office/drawing/2014/main" id="{972486FC-8DDC-4C84-B6A8-725DE7A8E599}"/>
               </a:ext>
             </a:extLst>
           </p:cNvPr>
@@ -10624,31 +10797,125 @@
             <a:spLocks noGrp="1"/>
           </p:cNvSpPr>
           <p:nvPr>
-            <p:ph type="ctrTitle"/>
+            <p:ph type="title"/>
+          </p:nvPr>
+        </p:nvSpPr>
+        <p:spPr/>
+        <p:txBody>
+          <a:bodyPr/>
+          <a:lstStyle/>
+          <a:p>
+            <a:r>
+              <a:rPr lang="en-US" dirty="0"/>
+              <a:t>Resources to Practice</a:t>
+            </a:r>
+          </a:p>
+        </p:txBody>
+      </p:sp>
+      <p:sp>
+        <p:nvSpPr>
+          <p:cNvPr id="3" name="Content Placeholder 2">
+            <a:extLst>
+              <a:ext uri="{FF2B5EF4-FFF2-40B4-BE49-F238E27FC236}">
+                <a16:creationId xmlns:a16="http://schemas.microsoft.com/office/drawing/2014/main" id="{1DB1CE26-418F-45FC-AA99-0245893AD75B}"/>
+              </a:ext>
+            </a:extLst>
+          </p:cNvPr>
+          <p:cNvSpPr>
+            <a:spLocks noGrp="1"/>
+          </p:cNvSpPr>
+          <p:nvPr>
+            <p:ph idx="1"/>
           </p:nvPr>
         </p:nvSpPr>
         <p:spPr>
           <a:xfrm>
-            <a:off x="1448344" y="2404531"/>
-            <a:ext cx="7766936" cy="1646302"/>
+            <a:off x="677333" y="1732750"/>
+            <a:ext cx="9295342" cy="3880773"/>
           </a:xfrm>
         </p:spPr>
         <p:txBody>
-          <a:bodyPr/>
-          <a:lstStyle/>
-          <a:p>
-            <a:pPr algn="l"/>
-            <a:r>
-              <a:rPr lang="en-US" dirty="0"/>
-              <a:t>Thank You!</a:t>
-            </a:r>
+          <a:bodyPr>
+            <a:normAutofit/>
+          </a:bodyPr>
+          <a:lstStyle/>
+          <a:p>
+            <a:pPr>
+              <a:lnSpc>
+                <a:spcPct val="200000"/>
+              </a:lnSpc>
+            </a:pPr>
+            <a:r>
+              <a:rPr lang="en-US" sz="2000" dirty="0"/>
+              <a:t>Code Academy SQL Course: </a:t>
+            </a:r>
+            <a:r>
+              <a:rPr lang="en-US" sz="2000" dirty="0">
+                <a:hlinkClick r:id="rId2"/>
+              </a:rPr>
+              <a:t>https://www.codecademy.com/learn/learn-sql</a:t>
+            </a:r>
+            <a:endParaRPr lang="en-US" sz="2000" dirty="0"/>
+          </a:p>
+          <a:p>
+            <a:pPr>
+              <a:lnSpc>
+                <a:spcPct val="200000"/>
+              </a:lnSpc>
+            </a:pPr>
+            <a:r>
+              <a:rPr lang="en-US" sz="2000" dirty="0"/>
+              <a:t>SQL Zoo: </a:t>
+            </a:r>
+            <a:r>
+              <a:rPr lang="en-US" sz="2000" dirty="0">
+                <a:hlinkClick r:id="rId3"/>
+              </a:rPr>
+              <a:t>https://sqlzoo.net/</a:t>
+            </a:r>
+            <a:endParaRPr lang="en-US" sz="2000" dirty="0"/>
+          </a:p>
+          <a:p>
+            <a:pPr>
+              <a:lnSpc>
+                <a:spcPct val="200000"/>
+              </a:lnSpc>
+            </a:pPr>
+            <a:r>
+              <a:rPr lang="en-US" sz="2000" dirty="0"/>
+              <a:t>W3 Schools: </a:t>
+            </a:r>
+            <a:r>
+              <a:rPr lang="en-US" sz="2000" dirty="0">
+                <a:hlinkClick r:id="rId4"/>
+              </a:rPr>
+              <a:t>https://www.w3schools.com/sql/sql_exercises.asp</a:t>
+            </a:r>
+            <a:endParaRPr lang="en-US" sz="2000" dirty="0"/>
+          </a:p>
+          <a:p>
+            <a:pPr marL="0" indent="0">
+              <a:lnSpc>
+                <a:spcPct val="200000"/>
+              </a:lnSpc>
+              <a:buNone/>
+            </a:pPr>
+            <a:endParaRPr lang="en-US" sz="2000" dirty="0"/>
+          </a:p>
+          <a:p>
+            <a:pPr>
+              <a:lnSpc>
+                <a:spcPct val="200000"/>
+              </a:lnSpc>
+            </a:pPr>
+            <a:endParaRPr lang="en-US" sz="2000" dirty="0"/>
           </a:p>
         </p:txBody>
       </p:sp>
     </p:spTree>
     <p:extLst>
       <p:ext uri="{BB962C8B-B14F-4D97-AF65-F5344CB8AC3E}">
-        <p14:creationId xmlns:p14="http://schemas.microsoft.com/office/powerpoint/2010/main" val="1292329651"/>
+        <p14:creationId xmlns:p14="http://schemas.microsoft.com/office/powerpoint/2010/main" val="555277752"/>
       </p:ext>
     </p:extLst>
   </p:cSld>
@@ -10814,6 +11081,70 @@
     <p:extLst>
       <p:ext uri="{BB962C8B-B14F-4D97-AF65-F5344CB8AC3E}">
         <p14:creationId xmlns:p14="http://schemas.microsoft.com/office/powerpoint/2010/main" val="2530439058"/>
+      </p:ext>
+    </p:extLst>
+  </p:cSld>
+  <p:clrMapOvr>
+    <a:masterClrMapping/>
+  </p:clrMapOvr>
+</p:sld>
+</file>
+
+<file path=ppt/slides/slide30.xml><?xml version="1.0" encoding="utf-8"?>
+<p:sld xmlns:a="http://schemas.openxmlformats.org/drawingml/2006/main" xmlns:r="http://schemas.openxmlformats.org/officeDocument/2006/relationships" xmlns:p="http://schemas.openxmlformats.org/presentationml/2006/main">
+  <p:cSld>
+    <p:spTree>
+      <p:nvGrpSpPr>
+        <p:cNvPr id="1" name=""/>
+        <p:cNvGrpSpPr/>
+        <p:nvPr/>
+      </p:nvGrpSpPr>
+      <p:grpSpPr>
+        <a:xfrm>
+          <a:off x="0" y="0"/>
+          <a:ext cx="0" cy="0"/>
+          <a:chOff x="0" y="0"/>
+          <a:chExt cx="0" cy="0"/>
+        </a:xfrm>
+      </p:grpSpPr>
+      <p:sp>
+        <p:nvSpPr>
+          <p:cNvPr id="2" name="Title 1">
+            <a:extLst>
+              <a:ext uri="{FF2B5EF4-FFF2-40B4-BE49-F238E27FC236}">
+                <a16:creationId xmlns:a16="http://schemas.microsoft.com/office/drawing/2014/main" id="{19AE8673-E267-4C34-83B2-E50F8C6C8167}"/>
+              </a:ext>
+            </a:extLst>
+          </p:cNvPr>
+          <p:cNvSpPr>
+            <a:spLocks noGrp="1"/>
+          </p:cNvSpPr>
+          <p:nvPr>
+            <p:ph type="ctrTitle"/>
+          </p:nvPr>
+        </p:nvSpPr>
+        <p:spPr>
+          <a:xfrm>
+            <a:off x="1448344" y="2404531"/>
+            <a:ext cx="7766936" cy="1646302"/>
+          </a:xfrm>
+        </p:spPr>
+        <p:txBody>
+          <a:bodyPr/>
+          <a:lstStyle/>
+          <a:p>
+            <a:pPr algn="l"/>
+            <a:r>
+              <a:rPr lang="en-US" dirty="0"/>
+              <a:t>Thank You!</a:t>
+            </a:r>
+          </a:p>
+        </p:txBody>
+      </p:sp>
+    </p:spTree>
+    <p:extLst>
+      <p:ext uri="{BB962C8B-B14F-4D97-AF65-F5344CB8AC3E}">
+        <p14:creationId xmlns:p14="http://schemas.microsoft.com/office/powerpoint/2010/main" val="1292329651"/>
       </p:ext>
     </p:extLst>
   </p:cSld>

--- a/Slides/Week 3 Lecture Slides.pptx
+++ b/Slides/Week 3 Lecture Slides.pptx
@@ -5,7 +5,7 @@
     <p:sldMasterId id="2147483660" r:id="rId1"/>
   </p:sldMasterIdLst>
   <p:notesMasterIdLst>
-    <p:notesMasterId r:id="rId32"/>
+    <p:notesMasterId r:id="rId33"/>
   </p:notesMasterIdLst>
   <p:sldIdLst>
     <p:sldId id="256" r:id="rId2"/>
@@ -35,9 +35,10 @@
     <p:sldId id="353" r:id="rId26"/>
     <p:sldId id="375" r:id="rId27"/>
     <p:sldId id="342" r:id="rId28"/>
-    <p:sldId id="378" r:id="rId29"/>
-    <p:sldId id="318" r:id="rId30"/>
-    <p:sldId id="319" r:id="rId31"/>
+    <p:sldId id="379" r:id="rId29"/>
+    <p:sldId id="378" r:id="rId30"/>
+    <p:sldId id="318" r:id="rId31"/>
+    <p:sldId id="319" r:id="rId32"/>
   </p:sldIdLst>
   <p:sldSz cx="12192000" cy="6858000"/>
   <p:notesSz cx="6858000" cy="9144000"/>
@@ -10324,7 +10325,7 @@
           <a:p>
             <a:r>
               <a:rPr lang="en-US" dirty="0"/>
-              <a:t>Addition!</a:t>
+              <a:t>Result Transformation Update!</a:t>
             </a:r>
           </a:p>
         </p:txBody>
@@ -10654,7 +10655,7 @@
           <a:p>
             <a:r>
               <a:rPr lang="en-US" dirty="0"/>
-              <a:t>Review!</a:t>
+              <a:t>Result Transformation Update! Cont. </a:t>
             </a:r>
           </a:p>
         </p:txBody>
@@ -10677,8 +10678,8 @@
         </p:nvSpPr>
         <p:spPr>
           <a:xfrm>
-            <a:off x="677333" y="1583771"/>
-            <a:ext cx="9469843" cy="4664629"/>
+            <a:off x="677334" y="1583771"/>
+            <a:ext cx="9024228" cy="4664629"/>
           </a:xfrm>
         </p:spPr>
         <p:txBody>
@@ -10689,8 +10690,28 @@
           <a:p>
             <a:r>
               <a:rPr lang="en-US" sz="2000" dirty="0"/>
-              <a:t>Sub queries are a query within another query </a:t>
-            </a:r>
+              <a:t>Important to remember that this syntax only works when you are looking at counts of rows</a:t>
+            </a:r>
+          </a:p>
+          <a:p>
+            <a:pPr lvl="1"/>
+            <a:r>
+              <a:rPr lang="en-US" sz="1800" dirty="0"/>
+              <a:t>If you want to aggregate on actual amounts in the table you will need to use CASE expressions</a:t>
+            </a:r>
+          </a:p>
+          <a:p>
+            <a:pPr lvl="1"/>
+            <a:endParaRPr lang="en-US" sz="1800" dirty="0"/>
+          </a:p>
+          <a:p>
+            <a:endParaRPr lang="en-US" sz="2000" dirty="0"/>
+          </a:p>
+          <a:p>
+            <a:endParaRPr lang="en-US" sz="2000" dirty="0"/>
+          </a:p>
+          <a:p>
+            <a:endParaRPr lang="en-US" sz="2000" dirty="0"/>
           </a:p>
           <a:p>
             <a:pPr marL="0" indent="0">
@@ -10699,65 +10720,120 @@
             <a:endParaRPr lang="en-US" sz="2000" dirty="0"/>
           </a:p>
           <a:p>
-            <a:r>
-              <a:rPr lang="en-US" sz="2000" dirty="0"/>
-              <a:t>The result of a sub query can be a single row and single column, multiple rows and single column or multiple rows and multiple column</a:t>
-            </a:r>
-          </a:p>
-          <a:p>
-            <a:pPr marL="457200" lvl="1" indent="0">
-              <a:buNone/>
-            </a:pPr>
             <a:endParaRPr lang="en-US" sz="2000" dirty="0"/>
           </a:p>
-          <a:p>
-            <a:r>
-              <a:rPr lang="en-US" sz="2000" dirty="0"/>
-              <a:t>Sub queries are executed before the rest of the query</a:t>
-            </a:r>
-          </a:p>
-          <a:p>
-            <a:pPr marL="0" indent="0">
-              <a:buNone/>
-            </a:pPr>
-            <a:endParaRPr lang="en-US" sz="2000" dirty="0"/>
-          </a:p>
-          <a:p>
-            <a:r>
-              <a:rPr lang="en-US" sz="2000" dirty="0"/>
-              <a:t>The CASE expression is SQL’s optimal method to express and execute conditional logic</a:t>
-            </a:r>
-          </a:p>
-          <a:p>
-            <a:endParaRPr lang="en-US" sz="2000" dirty="0"/>
-          </a:p>
-          <a:p>
-            <a:r>
-              <a:rPr lang="en-US" sz="2000" dirty="0"/>
-              <a:t>CASE expressions and sub queries are often used together!</a:t>
-            </a:r>
-          </a:p>
-          <a:p>
-            <a:endParaRPr lang="en-US" sz="2000" dirty="0"/>
-          </a:p>
-          <a:p>
-            <a:endParaRPr lang="en-US" sz="2000" dirty="0"/>
-          </a:p>
-          <a:p>
-            <a:pPr marL="0" indent="0">
-              <a:buNone/>
-            </a:pPr>
-            <a:endParaRPr lang="en-US" sz="2000" dirty="0"/>
-          </a:p>
-          <a:p>
-            <a:endParaRPr lang="en-US" sz="2000" dirty="0"/>
+        </p:txBody>
+      </p:sp>
+      <p:pic>
+        <p:nvPicPr>
+          <p:cNvPr id="5" name="Picture 4">
+            <a:extLst>
+              <a:ext uri="{FF2B5EF4-FFF2-40B4-BE49-F238E27FC236}">
+                <a16:creationId xmlns:a16="http://schemas.microsoft.com/office/drawing/2014/main" id="{C37EB31E-070E-4E08-BD14-B40250DE9857}"/>
+              </a:ext>
+            </a:extLst>
+          </p:cNvPr>
+          <p:cNvPicPr>
+            <a:picLocks noChangeAspect="1"/>
+          </p:cNvPicPr>
+          <p:nvPr/>
+        </p:nvPicPr>
+        <p:blipFill>
+          <a:blip r:embed="rId2"/>
+          <a:stretch>
+            <a:fillRect/>
+          </a:stretch>
+        </p:blipFill>
+        <p:spPr>
+          <a:xfrm>
+            <a:off x="449811" y="3972951"/>
+            <a:ext cx="4081253" cy="1909299"/>
+          </a:xfrm>
+          <a:prstGeom prst="rect">
+            <a:avLst/>
+          </a:prstGeom>
+        </p:spPr>
+      </p:pic>
+      <p:pic>
+        <p:nvPicPr>
+          <p:cNvPr id="10" name="Picture 9">
+            <a:extLst>
+              <a:ext uri="{FF2B5EF4-FFF2-40B4-BE49-F238E27FC236}">
+                <a16:creationId xmlns:a16="http://schemas.microsoft.com/office/drawing/2014/main" id="{8C54BC30-6473-49C0-BE4F-F842B0F9E6EA}"/>
+              </a:ext>
+            </a:extLst>
+          </p:cNvPr>
+          <p:cNvPicPr>
+            <a:picLocks noChangeAspect="1"/>
+          </p:cNvPicPr>
+          <p:nvPr/>
+        </p:nvPicPr>
+        <p:blipFill>
+          <a:blip r:embed="rId3"/>
+          <a:stretch>
+            <a:fillRect/>
+          </a:stretch>
+        </p:blipFill>
+        <p:spPr>
+          <a:xfrm>
+            <a:off x="5754079" y="4524735"/>
+            <a:ext cx="3813718" cy="562138"/>
+          </a:xfrm>
+          <a:prstGeom prst="rect">
+            <a:avLst/>
+          </a:prstGeom>
+        </p:spPr>
+      </p:pic>
+      <p:sp>
+        <p:nvSpPr>
+          <p:cNvPr id="14" name="Arrow: Right 13">
+            <a:extLst>
+              <a:ext uri="{FF2B5EF4-FFF2-40B4-BE49-F238E27FC236}">
+                <a16:creationId xmlns:a16="http://schemas.microsoft.com/office/drawing/2014/main" id="{45769630-DE09-4312-9948-C3D82D7A8F76}"/>
+              </a:ext>
+            </a:extLst>
+          </p:cNvPr>
+          <p:cNvSpPr/>
+          <p:nvPr/>
+        </p:nvSpPr>
+        <p:spPr>
+          <a:xfrm>
+            <a:off x="4758587" y="4739268"/>
+            <a:ext cx="705511" cy="278781"/>
+          </a:xfrm>
+          <a:prstGeom prst="rightArrow">
+            <a:avLst/>
+          </a:prstGeom>
+        </p:spPr>
+        <p:style>
+          <a:lnRef idx="2">
+            <a:schemeClr val="accent1">
+              <a:shade val="50000"/>
+            </a:schemeClr>
+          </a:lnRef>
+          <a:fillRef idx="1">
+            <a:schemeClr val="accent1"/>
+          </a:fillRef>
+          <a:effectRef idx="0">
+            <a:schemeClr val="accent1"/>
+          </a:effectRef>
+          <a:fontRef idx="minor">
+            <a:schemeClr val="lt1"/>
+          </a:fontRef>
+        </p:style>
+        <p:txBody>
+          <a:bodyPr rtlCol="0" anchor="ctr"/>
+          <a:lstStyle/>
+          <a:p>
+            <a:pPr algn="ctr"/>
+            <a:endParaRPr lang="en-US"/>
           </a:p>
         </p:txBody>
       </p:sp>
     </p:spTree>
     <p:extLst>
       <p:ext uri="{BB962C8B-B14F-4D97-AF65-F5344CB8AC3E}">
-        <p14:creationId xmlns:p14="http://schemas.microsoft.com/office/powerpoint/2010/main" val="3544534808"/>
+        <p14:creationId xmlns:p14="http://schemas.microsoft.com/office/powerpoint/2010/main" val="1316083069"/>
       </p:ext>
     </p:extLst>
   </p:cSld>
@@ -10807,17 +10883,17 @@
           <a:p>
             <a:r>
               <a:rPr lang="en-US" dirty="0"/>
-              <a:t>Resources to Practice</a:t>
-            </a:r>
-          </a:p>
-        </p:txBody>
-      </p:sp>
-      <p:sp>
-        <p:nvSpPr>
-          <p:cNvPr id="3" name="Content Placeholder 2">
+              <a:t>Review!</a:t>
+            </a:r>
+          </a:p>
+        </p:txBody>
+      </p:sp>
+      <p:sp>
+        <p:nvSpPr>
+          <p:cNvPr id="6" name="Content Placeholder 2">
             <a:extLst>
               <a:ext uri="{FF2B5EF4-FFF2-40B4-BE49-F238E27FC236}">
-                <a16:creationId xmlns:a16="http://schemas.microsoft.com/office/drawing/2014/main" id="{1DB1CE26-418F-45FC-AA99-0245893AD75B}"/>
+                <a16:creationId xmlns:a16="http://schemas.microsoft.com/office/drawing/2014/main" id="{4E8054A1-14AA-4D56-A82D-A5F05B2A9F7E}"/>
               </a:ext>
             </a:extLst>
           </p:cNvPr>
@@ -10830,8 +10906,8 @@
         </p:nvSpPr>
         <p:spPr>
           <a:xfrm>
-            <a:off x="677333" y="1732750"/>
-            <a:ext cx="9295342" cy="3880773"/>
+            <a:off x="677333" y="1583771"/>
+            <a:ext cx="9469843" cy="4664629"/>
           </a:xfrm>
         </p:spPr>
         <p:txBody>
@@ -10840,74 +10916,69 @@
           </a:bodyPr>
           <a:lstStyle/>
           <a:p>
-            <a:pPr>
-              <a:lnSpc>
-                <a:spcPct val="200000"/>
-              </a:lnSpc>
-            </a:pPr>
             <a:r>
               <a:rPr lang="en-US" sz="2000" dirty="0"/>
-              <a:t>Code Academy SQL Course: </a:t>
-            </a:r>
-            <a:r>
-              <a:rPr lang="en-US" sz="2000" dirty="0">
-                <a:hlinkClick r:id="rId2"/>
-              </a:rPr>
-              <a:t>https://www.codecademy.com/learn/learn-sql</a:t>
-            </a:r>
-            <a:endParaRPr lang="en-US" sz="2000" dirty="0"/>
-          </a:p>
-          <a:p>
-            <a:pPr>
-              <a:lnSpc>
-                <a:spcPct val="200000"/>
-              </a:lnSpc>
-            </a:pPr>
-            <a:r>
-              <a:rPr lang="en-US" sz="2000" dirty="0"/>
-              <a:t>SQL Zoo: </a:t>
-            </a:r>
-            <a:r>
-              <a:rPr lang="en-US" sz="2000" dirty="0">
-                <a:hlinkClick r:id="rId3"/>
-              </a:rPr>
-              <a:t>https://sqlzoo.net/</a:t>
-            </a:r>
-            <a:endParaRPr lang="en-US" sz="2000" dirty="0"/>
-          </a:p>
-          <a:p>
-            <a:pPr>
-              <a:lnSpc>
-                <a:spcPct val="200000"/>
-              </a:lnSpc>
-            </a:pPr>
-            <a:r>
-              <a:rPr lang="en-US" sz="2000" dirty="0"/>
-              <a:t>W3 Schools: </a:t>
-            </a:r>
-            <a:r>
-              <a:rPr lang="en-US" sz="2000" dirty="0">
-                <a:hlinkClick r:id="rId4"/>
-              </a:rPr>
-              <a:t>https://www.w3schools.com/sql/sql_exercises.asp</a:t>
-            </a:r>
-            <a:endParaRPr lang="en-US" sz="2000" dirty="0"/>
+              <a:t>Sub queries are a query within another query </a:t>
+            </a:r>
           </a:p>
           <a:p>
             <a:pPr marL="0" indent="0">
-              <a:lnSpc>
-                <a:spcPct val="200000"/>
-              </a:lnSpc>
               <a:buNone/>
             </a:pPr>
             <a:endParaRPr lang="en-US" sz="2000" dirty="0"/>
           </a:p>
           <a:p>
-            <a:pPr>
-              <a:lnSpc>
-                <a:spcPct val="200000"/>
-              </a:lnSpc>
+            <a:r>
+              <a:rPr lang="en-US" sz="2000" dirty="0"/>
+              <a:t>The result of a sub query can be a single row and single column, multiple rows and single column or multiple rows and multiple column</a:t>
+            </a:r>
+          </a:p>
+          <a:p>
+            <a:pPr marL="457200" lvl="1" indent="0">
+              <a:buNone/>
             </a:pPr>
+            <a:endParaRPr lang="en-US" sz="2000" dirty="0"/>
+          </a:p>
+          <a:p>
+            <a:r>
+              <a:rPr lang="en-US" sz="2000" dirty="0"/>
+              <a:t>Sub queries are executed before the rest of the query</a:t>
+            </a:r>
+          </a:p>
+          <a:p>
+            <a:pPr marL="0" indent="0">
+              <a:buNone/>
+            </a:pPr>
+            <a:endParaRPr lang="en-US" sz="2000" dirty="0"/>
+          </a:p>
+          <a:p>
+            <a:r>
+              <a:rPr lang="en-US" sz="2000" dirty="0"/>
+              <a:t>The CASE expression is SQL’s optimal method to express and execute conditional logic</a:t>
+            </a:r>
+          </a:p>
+          <a:p>
+            <a:endParaRPr lang="en-US" sz="2000" dirty="0"/>
+          </a:p>
+          <a:p>
+            <a:r>
+              <a:rPr lang="en-US" sz="2000" dirty="0"/>
+              <a:t>CASE expressions and sub queries are often used together!</a:t>
+            </a:r>
+          </a:p>
+          <a:p>
+            <a:endParaRPr lang="en-US" sz="2000" dirty="0"/>
+          </a:p>
+          <a:p>
+            <a:endParaRPr lang="en-US" sz="2000" dirty="0"/>
+          </a:p>
+          <a:p>
+            <a:pPr marL="0" indent="0">
+              <a:buNone/>
+            </a:pPr>
+            <a:endParaRPr lang="en-US" sz="2000" dirty="0"/>
+          </a:p>
+          <a:p>
             <a:endParaRPr lang="en-US" sz="2000" dirty="0"/>
           </a:p>
         </p:txBody>
@@ -10915,7 +10986,7 @@
     </p:spTree>
     <p:extLst>
       <p:ext uri="{BB962C8B-B14F-4D97-AF65-F5344CB8AC3E}">
-        <p14:creationId xmlns:p14="http://schemas.microsoft.com/office/powerpoint/2010/main" val="555277752"/>
+        <p14:creationId xmlns:p14="http://schemas.microsoft.com/office/powerpoint/2010/main" val="3544534808"/>
       </p:ext>
     </p:extLst>
   </p:cSld>
@@ -11091,6 +11162,164 @@
 </file>
 
 <file path=ppt/slides/slide30.xml><?xml version="1.0" encoding="utf-8"?>
+<p:sld xmlns:a="http://schemas.openxmlformats.org/drawingml/2006/main" xmlns:r="http://schemas.openxmlformats.org/officeDocument/2006/relationships" xmlns:p="http://schemas.openxmlformats.org/presentationml/2006/main">
+  <p:cSld>
+    <p:spTree>
+      <p:nvGrpSpPr>
+        <p:cNvPr id="1" name=""/>
+        <p:cNvGrpSpPr/>
+        <p:nvPr/>
+      </p:nvGrpSpPr>
+      <p:grpSpPr>
+        <a:xfrm>
+          <a:off x="0" y="0"/>
+          <a:ext cx="0" cy="0"/>
+          <a:chOff x="0" y="0"/>
+          <a:chExt cx="0" cy="0"/>
+        </a:xfrm>
+      </p:grpSpPr>
+      <p:sp>
+        <p:nvSpPr>
+          <p:cNvPr id="2" name="Title 1">
+            <a:extLst>
+              <a:ext uri="{FF2B5EF4-FFF2-40B4-BE49-F238E27FC236}">
+                <a16:creationId xmlns:a16="http://schemas.microsoft.com/office/drawing/2014/main" id="{972486FC-8DDC-4C84-B6A8-725DE7A8E599}"/>
+              </a:ext>
+            </a:extLst>
+          </p:cNvPr>
+          <p:cNvSpPr>
+            <a:spLocks noGrp="1"/>
+          </p:cNvSpPr>
+          <p:nvPr>
+            <p:ph type="title"/>
+          </p:nvPr>
+        </p:nvSpPr>
+        <p:spPr/>
+        <p:txBody>
+          <a:bodyPr/>
+          <a:lstStyle/>
+          <a:p>
+            <a:r>
+              <a:rPr lang="en-US" dirty="0"/>
+              <a:t>Resources to Practice</a:t>
+            </a:r>
+          </a:p>
+        </p:txBody>
+      </p:sp>
+      <p:sp>
+        <p:nvSpPr>
+          <p:cNvPr id="3" name="Content Placeholder 2">
+            <a:extLst>
+              <a:ext uri="{FF2B5EF4-FFF2-40B4-BE49-F238E27FC236}">
+                <a16:creationId xmlns:a16="http://schemas.microsoft.com/office/drawing/2014/main" id="{1DB1CE26-418F-45FC-AA99-0245893AD75B}"/>
+              </a:ext>
+            </a:extLst>
+          </p:cNvPr>
+          <p:cNvSpPr>
+            <a:spLocks noGrp="1"/>
+          </p:cNvSpPr>
+          <p:nvPr>
+            <p:ph idx="1"/>
+          </p:nvPr>
+        </p:nvSpPr>
+        <p:spPr>
+          <a:xfrm>
+            <a:off x="677333" y="1732750"/>
+            <a:ext cx="9295342" cy="3880773"/>
+          </a:xfrm>
+        </p:spPr>
+        <p:txBody>
+          <a:bodyPr>
+            <a:normAutofit/>
+          </a:bodyPr>
+          <a:lstStyle/>
+          <a:p>
+            <a:pPr>
+              <a:lnSpc>
+                <a:spcPct val="200000"/>
+              </a:lnSpc>
+            </a:pPr>
+            <a:r>
+              <a:rPr lang="en-US" sz="2000" dirty="0"/>
+              <a:t>Code Academy SQL Course: </a:t>
+            </a:r>
+            <a:r>
+              <a:rPr lang="en-US" sz="2000" dirty="0">
+                <a:hlinkClick r:id="rId2"/>
+              </a:rPr>
+              <a:t>https://www.codecademy.com/learn/learn-sql</a:t>
+            </a:r>
+            <a:endParaRPr lang="en-US" sz="2000" dirty="0"/>
+          </a:p>
+          <a:p>
+            <a:pPr>
+              <a:lnSpc>
+                <a:spcPct val="200000"/>
+              </a:lnSpc>
+            </a:pPr>
+            <a:r>
+              <a:rPr lang="en-US" sz="2000" dirty="0"/>
+              <a:t>SQL Zoo: </a:t>
+            </a:r>
+            <a:r>
+              <a:rPr lang="en-US" sz="2000" dirty="0">
+                <a:hlinkClick r:id="rId3"/>
+              </a:rPr>
+              <a:t>https://sqlzoo.net/</a:t>
+            </a:r>
+            <a:endParaRPr lang="en-US" sz="2000" dirty="0"/>
+          </a:p>
+          <a:p>
+            <a:pPr>
+              <a:lnSpc>
+                <a:spcPct val="200000"/>
+              </a:lnSpc>
+            </a:pPr>
+            <a:r>
+              <a:rPr lang="en-US" sz="2000" dirty="0"/>
+              <a:t>W3 Schools: </a:t>
+            </a:r>
+            <a:r>
+              <a:rPr lang="en-US" sz="2000" dirty="0">
+                <a:hlinkClick r:id="rId4"/>
+              </a:rPr>
+              <a:t>https://www.w3schools.com/sql/sql_exercises.asp</a:t>
+            </a:r>
+            <a:endParaRPr lang="en-US" sz="2000" dirty="0"/>
+          </a:p>
+          <a:p>
+            <a:pPr marL="0" indent="0">
+              <a:lnSpc>
+                <a:spcPct val="200000"/>
+              </a:lnSpc>
+              <a:buNone/>
+            </a:pPr>
+            <a:endParaRPr lang="en-US" sz="2000" dirty="0"/>
+          </a:p>
+          <a:p>
+            <a:pPr>
+              <a:lnSpc>
+                <a:spcPct val="200000"/>
+              </a:lnSpc>
+            </a:pPr>
+            <a:endParaRPr lang="en-US" sz="2000" dirty="0"/>
+          </a:p>
+        </p:txBody>
+      </p:sp>
+    </p:spTree>
+    <p:extLst>
+      <p:ext uri="{BB962C8B-B14F-4D97-AF65-F5344CB8AC3E}">
+        <p14:creationId xmlns:p14="http://schemas.microsoft.com/office/powerpoint/2010/main" val="555277752"/>
+      </p:ext>
+    </p:extLst>
+  </p:cSld>
+  <p:clrMapOvr>
+    <a:masterClrMapping/>
+  </p:clrMapOvr>
+</p:sld>
+</file>
+
+<file path=ppt/slides/slide31.xml><?xml version="1.0" encoding="utf-8"?>
 <p:sld xmlns:a="http://schemas.openxmlformats.org/drawingml/2006/main" xmlns:r="http://schemas.openxmlformats.org/officeDocument/2006/relationships" xmlns:p="http://schemas.openxmlformats.org/presentationml/2006/main">
   <p:cSld>
     <p:spTree>
